--- a/azure/secure-services-m4-azuread.pptx
+++ b/azure/secure-services-m4-azuread.pptx
@@ -230,7 +230,7 @@
           <a:p>
             <a:fld id="{BE1B5227-671A-4331-BA8E-6A194D65408B}" type="datetimeFigureOut">
               <a:rPr lang="en-US" smtClean="0"/>
-              <a:t>12/9/2017</a:t>
+              <a:t>1/16/2018</a:t>
             </a:fld>
             <a:endParaRPr lang="en-US"/>
           </a:p>
@@ -395,7 +395,7 @@
           <a:p>
             <a:fld id="{27872E6B-C85C-424E-AD51-4389090A2C7D}" type="datetimeFigureOut">
               <a:rPr lang="en-US" smtClean="0"/>
-              <a:t>12/9/2017</a:t>
+              <a:t>1/16/2018</a:t>
             </a:fld>
             <a:endParaRPr lang="en-US"/>
           </a:p>
@@ -1039,7 +1039,7 @@
                 <a:tabLst/>
                 <a:defRPr/>
               </a:pPr>
-              <a:t>12/9/2017 9:16 PM</a:t>
+              <a:t>1/16/2018 8:53 AM</a:t>
             </a:fld>
             <a:endParaRPr kumimoji="0" lang="en-US" sz="1200" b="0" i="0" u="none" strike="noStrike" kern="1200" cap="none" spc="0" normalizeH="0" baseline="0" noProof="0" dirty="0">
               <a:ln>
@@ -1419,7 +1419,7 @@
                 <a:tabLst/>
                 <a:defRPr/>
               </a:pPr>
-              <a:t>12/9/2017 9:17 PM</a:t>
+              <a:t>1/16/2018 8:53 AM</a:t>
             </a:fld>
             <a:endParaRPr kumimoji="0" lang="en-US" sz="1200" b="0" i="0" u="none" strike="noStrike" kern="1200" cap="none" spc="0" normalizeH="0" baseline="0" noProof="0" dirty="0">
               <a:ln>
@@ -4529,13 +4529,13 @@
   <p:clrMapOvr>
     <a:masterClrMapping/>
   </p:clrMapOvr>
-  <mc:AlternateContent xmlns:mc="http://schemas.openxmlformats.org/markup-compatibility/2006" xmlns:p14="http://schemas.microsoft.com/office/powerpoint/2010/main">
-    <mc:Choice Requires="p14">
+  <mc:AlternateContent xmlns:mc="http://schemas.openxmlformats.org/markup-compatibility/2006">
+    <mc:Choice xmlns:p14="http://schemas.microsoft.com/office/powerpoint/2010/main" Requires="p14">
       <p:transition spd="med" p14:dur="700">
         <p:fade/>
       </p:transition>
     </mc:Choice>
-    <mc:Fallback xmlns="">
+    <mc:Fallback>
       <p:transition spd="med">
         <p:fade/>
       </p:transition>
@@ -6616,13 +6616,13 @@
   <p:clrMapOvr>
     <a:masterClrMapping/>
   </p:clrMapOvr>
-  <mc:AlternateContent xmlns:mc="http://schemas.openxmlformats.org/markup-compatibility/2006" xmlns:p14="http://schemas.microsoft.com/office/powerpoint/2010/main">
-    <mc:Choice Requires="p14">
+  <mc:AlternateContent xmlns:mc="http://schemas.openxmlformats.org/markup-compatibility/2006">
+    <mc:Choice xmlns:p14="http://schemas.microsoft.com/office/powerpoint/2010/main" Requires="p14">
       <p:transition spd="med" p14:dur="700">
         <p:fade/>
       </p:transition>
     </mc:Choice>
-    <mc:Fallback xmlns="" xmlns:a14="http://schemas.microsoft.com/office/drawing/2010/main" xmlns:a16="http://schemas.microsoft.com/office/drawing/2014/main">
+    <mc:Fallback>
       <p:transition spd="med">
         <p:fade/>
       </p:transition>
@@ -7891,13 +7891,13 @@
   <p:clrMapOvr>
     <a:masterClrMapping/>
   </p:clrMapOvr>
-  <mc:AlternateContent xmlns:mc="http://schemas.openxmlformats.org/markup-compatibility/2006" xmlns:p14="http://schemas.microsoft.com/office/powerpoint/2010/main">
-    <mc:Choice Requires="p14">
+  <mc:AlternateContent xmlns:mc="http://schemas.openxmlformats.org/markup-compatibility/2006">
+    <mc:Choice xmlns:p14="http://schemas.microsoft.com/office/powerpoint/2010/main" Requires="p14">
       <p:transition spd="med" p14:dur="700">
         <p:fade/>
       </p:transition>
     </mc:Choice>
-    <mc:Fallback xmlns="" xmlns:a16="http://schemas.microsoft.com/office/drawing/2014/main">
+    <mc:Fallback>
       <p:transition spd="med">
         <p:fade/>
       </p:transition>
@@ -16465,13 +16465,13 @@
   <p:clrMapOvr>
     <a:masterClrMapping/>
   </p:clrMapOvr>
-  <mc:AlternateContent xmlns:mc="http://schemas.openxmlformats.org/markup-compatibility/2006" xmlns:p159="http://schemas.microsoft.com/office/powerpoint/2015/09/main">
-    <mc:Choice Requires="p159">
+  <mc:AlternateContent xmlns:mc="http://schemas.openxmlformats.org/markup-compatibility/2006">
+    <mc:Choice xmlns:p159="http://schemas.microsoft.com/office/powerpoint/2015/09/main" Requires="p159">
       <p:transition xmlns:p14="http://schemas.microsoft.com/office/powerpoint/2010/main" spd="slow" p14:dur="2000">
         <p159:morph option="byObject"/>
       </p:transition>
     </mc:Choice>
-    <mc:Fallback xmlns:p14="http://schemas.microsoft.com/office/powerpoint/2010/main" xmlns:a14="http://schemas.microsoft.com/office/drawing/2010/main" xmlns:a16="http://schemas.microsoft.com/office/drawing/2014/main" xmlns="">
+    <mc:Fallback>
       <p:transition spd="slow">
         <p:fade/>
       </p:transition>
@@ -24547,13 +24547,13 @@
   <p:clrMapOvr>
     <a:masterClrMapping/>
   </p:clrMapOvr>
-  <mc:AlternateContent xmlns:mc="http://schemas.openxmlformats.org/markup-compatibility/2006" xmlns:p159="http://schemas.microsoft.com/office/powerpoint/2015/09/main">
-    <mc:Choice Requires="p159">
+  <mc:AlternateContent xmlns:mc="http://schemas.openxmlformats.org/markup-compatibility/2006">
+    <mc:Choice xmlns:p159="http://schemas.microsoft.com/office/powerpoint/2015/09/main" Requires="p159">
       <p:transition xmlns:p14="http://schemas.microsoft.com/office/powerpoint/2010/main" spd="slow" p14:dur="2000">
         <p159:morph option="byObject"/>
       </p:transition>
     </mc:Choice>
-    <mc:Fallback xmlns:p14="http://schemas.microsoft.com/office/powerpoint/2010/main" xmlns:a14="http://schemas.microsoft.com/office/drawing/2010/main" xmlns:a16="http://schemas.microsoft.com/office/drawing/2014/main" xmlns="">
+    <mc:Fallback>
       <p:transition spd="slow">
         <p:fade/>
       </p:transition>
@@ -35235,13 +35235,13 @@
   <p:clrMapOvr>
     <a:masterClrMapping/>
   </p:clrMapOvr>
-  <mc:AlternateContent xmlns:mc="http://schemas.openxmlformats.org/markup-compatibility/2006" xmlns:p14="http://schemas.microsoft.com/office/powerpoint/2010/main">
-    <mc:Choice Requires="p14">
+  <mc:AlternateContent xmlns:mc="http://schemas.openxmlformats.org/markup-compatibility/2006">
+    <mc:Choice xmlns:p14="http://schemas.microsoft.com/office/powerpoint/2010/main" Requires="p14">
       <p:transition spd="med" p14:dur="700">
         <p:fade/>
       </p:transition>
     </mc:Choice>
-    <mc:Fallback xmlns:a14="http://schemas.microsoft.com/office/drawing/2010/main" xmlns:a16="http://schemas.microsoft.com/office/drawing/2014/main" xmlns="">
+    <mc:Fallback>
       <p:transition spd="med">
         <p:fade/>
       </p:transition>
@@ -39625,13 +39625,13 @@
   <p:clrMapOvr>
     <a:masterClrMapping/>
   </p:clrMapOvr>
-  <mc:AlternateContent xmlns:mc="http://schemas.openxmlformats.org/markup-compatibility/2006" xmlns:p14="http://schemas.microsoft.com/office/powerpoint/2010/main">
-    <mc:Choice Requires="p14">
+  <mc:AlternateContent xmlns:mc="http://schemas.openxmlformats.org/markup-compatibility/2006">
+    <mc:Choice xmlns:p14="http://schemas.microsoft.com/office/powerpoint/2010/main" Requires="p14">
       <p:transition spd="med" p14:dur="700">
         <p:fade/>
       </p:transition>
     </mc:Choice>
-    <mc:Fallback xmlns="">
+    <mc:Fallback>
       <p:transition spd="med">
         <p:fade/>
       </p:transition>
@@ -41659,13 +41659,13 @@
   <p:clrMapOvr>
     <a:masterClrMapping/>
   </p:clrMapOvr>
-  <mc:AlternateContent xmlns:mc="http://schemas.openxmlformats.org/markup-compatibility/2006" xmlns:p14="http://schemas.microsoft.com/office/powerpoint/2010/main">
-    <mc:Choice Requires="p14">
+  <mc:AlternateContent xmlns:mc="http://schemas.openxmlformats.org/markup-compatibility/2006">
+    <mc:Choice xmlns:p14="http://schemas.microsoft.com/office/powerpoint/2010/main" Requires="p14">
       <p:transition spd="med" p14:dur="700">
         <p:fade/>
       </p:transition>
     </mc:Choice>
-    <mc:Fallback xmlns="">
+    <mc:Fallback>
       <p:transition spd="med">
         <p:fade/>
       </p:transition>
